--- a/icon/icon.pptx
+++ b/icon/icon.pptx
@@ -8,6 +8,7 @@
     <p:sldId id="256" r:id="rId2"/>
     <p:sldId id="258" r:id="rId3"/>
     <p:sldId id="259" r:id="rId4"/>
+    <p:sldId id="260" r:id="rId5"/>
   </p:sldIdLst>
   <p:sldSz cx="12192000" cy="6858000"/>
   <p:notesSz cx="6858000" cy="9144000"/>
@@ -256,7 +257,7 @@
           <a:p>
             <a:fld id="{E3A89B01-F502-41B5-8074-DD51F49C9025}" type="datetimeFigureOut">
               <a:rPr lang="zh-TW" altLang="en-US" smtClean="0"/>
-              <a:t>2018/6/25</a:t>
+              <a:t>2018/6/26</a:t>
             </a:fld>
             <a:endParaRPr lang="zh-TW" altLang="en-US"/>
           </a:p>
@@ -426,7 +427,7 @@
           <a:p>
             <a:fld id="{E3A89B01-F502-41B5-8074-DD51F49C9025}" type="datetimeFigureOut">
               <a:rPr lang="zh-TW" altLang="en-US" smtClean="0"/>
-              <a:t>2018/6/25</a:t>
+              <a:t>2018/6/26</a:t>
             </a:fld>
             <a:endParaRPr lang="zh-TW" altLang="en-US"/>
           </a:p>
@@ -606,7 +607,7 @@
           <a:p>
             <a:fld id="{E3A89B01-F502-41B5-8074-DD51F49C9025}" type="datetimeFigureOut">
               <a:rPr lang="zh-TW" altLang="en-US" smtClean="0"/>
-              <a:t>2018/6/25</a:t>
+              <a:t>2018/6/26</a:t>
             </a:fld>
             <a:endParaRPr lang="zh-TW" altLang="en-US"/>
           </a:p>
@@ -776,7 +777,7 @@
           <a:p>
             <a:fld id="{E3A89B01-F502-41B5-8074-DD51F49C9025}" type="datetimeFigureOut">
               <a:rPr lang="zh-TW" altLang="en-US" smtClean="0"/>
-              <a:t>2018/6/25</a:t>
+              <a:t>2018/6/26</a:t>
             </a:fld>
             <a:endParaRPr lang="zh-TW" altLang="en-US"/>
           </a:p>
@@ -1022,7 +1023,7 @@
           <a:p>
             <a:fld id="{E3A89B01-F502-41B5-8074-DD51F49C9025}" type="datetimeFigureOut">
               <a:rPr lang="zh-TW" altLang="en-US" smtClean="0"/>
-              <a:t>2018/6/25</a:t>
+              <a:t>2018/6/26</a:t>
             </a:fld>
             <a:endParaRPr lang="zh-TW" altLang="en-US"/>
           </a:p>
@@ -1254,7 +1255,7 @@
           <a:p>
             <a:fld id="{E3A89B01-F502-41B5-8074-DD51F49C9025}" type="datetimeFigureOut">
               <a:rPr lang="zh-TW" altLang="en-US" smtClean="0"/>
-              <a:t>2018/6/25</a:t>
+              <a:t>2018/6/26</a:t>
             </a:fld>
             <a:endParaRPr lang="zh-TW" altLang="en-US"/>
           </a:p>
@@ -1621,7 +1622,7 @@
           <a:p>
             <a:fld id="{E3A89B01-F502-41B5-8074-DD51F49C9025}" type="datetimeFigureOut">
               <a:rPr lang="zh-TW" altLang="en-US" smtClean="0"/>
-              <a:t>2018/6/25</a:t>
+              <a:t>2018/6/26</a:t>
             </a:fld>
             <a:endParaRPr lang="zh-TW" altLang="en-US"/>
           </a:p>
@@ -1739,7 +1740,7 @@
           <a:p>
             <a:fld id="{E3A89B01-F502-41B5-8074-DD51F49C9025}" type="datetimeFigureOut">
               <a:rPr lang="zh-TW" altLang="en-US" smtClean="0"/>
-              <a:t>2018/6/25</a:t>
+              <a:t>2018/6/26</a:t>
             </a:fld>
             <a:endParaRPr lang="zh-TW" altLang="en-US"/>
           </a:p>
@@ -1834,7 +1835,7 @@
           <a:p>
             <a:fld id="{E3A89B01-F502-41B5-8074-DD51F49C9025}" type="datetimeFigureOut">
               <a:rPr lang="zh-TW" altLang="en-US" smtClean="0"/>
-              <a:t>2018/6/25</a:t>
+              <a:t>2018/6/26</a:t>
             </a:fld>
             <a:endParaRPr lang="zh-TW" altLang="en-US"/>
           </a:p>
@@ -2111,7 +2112,7 @@
           <a:p>
             <a:fld id="{E3A89B01-F502-41B5-8074-DD51F49C9025}" type="datetimeFigureOut">
               <a:rPr lang="zh-TW" altLang="en-US" smtClean="0"/>
-              <a:t>2018/6/25</a:t>
+              <a:t>2018/6/26</a:t>
             </a:fld>
             <a:endParaRPr lang="zh-TW" altLang="en-US"/>
           </a:p>
@@ -2364,7 +2365,7 @@
           <a:p>
             <a:fld id="{E3A89B01-F502-41B5-8074-DD51F49C9025}" type="datetimeFigureOut">
               <a:rPr lang="zh-TW" altLang="en-US" smtClean="0"/>
-              <a:t>2018/6/25</a:t>
+              <a:t>2018/6/26</a:t>
             </a:fld>
             <a:endParaRPr lang="zh-TW" altLang="en-US"/>
           </a:p>
@@ -2577,7 +2578,7 @@
           <a:p>
             <a:fld id="{E3A89B01-F502-41B5-8074-DD51F49C9025}" type="datetimeFigureOut">
               <a:rPr lang="zh-TW" altLang="en-US" smtClean="0"/>
-              <a:t>2018/6/25</a:t>
+              <a:t>2018/6/26</a:t>
             </a:fld>
             <a:endParaRPr lang="zh-TW" altLang="en-US"/>
           </a:p>
@@ -8207,21 +8208,21 @@
       </p:grpSp>
       <p:grpSp>
         <p:nvGrpSpPr>
-          <p:cNvPr id="231" name="群組 230"/>
+          <p:cNvPr id="149" name="群組 148"/>
           <p:cNvGrpSpPr/>
           <p:nvPr/>
         </p:nvGrpSpPr>
         <p:grpSpPr>
           <a:xfrm>
-            <a:off x="2744028" y="512676"/>
-            <a:ext cx="4796764" cy="4371810"/>
-            <a:chOff x="2744028" y="512676"/>
-            <a:chExt cx="4796764" cy="4371810"/>
+            <a:off x="2852210" y="1142981"/>
+            <a:ext cx="4800194" cy="4372490"/>
+            <a:chOff x="2740598" y="511996"/>
+            <a:chExt cx="4800194" cy="4372490"/>
           </a:xfrm>
         </p:grpSpPr>
         <p:sp>
           <p:nvSpPr>
-            <p:cNvPr id="2" name="圓角矩形 1"/>
+            <p:cNvPr id="164" name="圓角矩形 163"/>
             <p:cNvSpPr/>
             <p:nvPr/>
           </p:nvSpPr>
@@ -8238,6 +8239,9 @@
             <a:solidFill>
               <a:srgbClr val="60AEFC"/>
             </a:solidFill>
+            <a:ln>
+              <a:noFill/>
+            </a:ln>
           </p:spPr>
           <p:style>
             <a:lnRef idx="2">
@@ -8266,10 +8270,10 @@
         </p:sp>
         <p:cxnSp>
           <p:nvCxnSpPr>
-            <p:cNvPr id="4" name="直線接點 3"/>
+            <p:cNvPr id="165" name="直線接點 164"/>
             <p:cNvCxnSpPr>
-              <a:stCxn id="2" idx="1"/>
-              <a:endCxn id="2" idx="3"/>
+              <a:stCxn id="164" idx="1"/>
+              <a:endCxn id="164" idx="3"/>
             </p:cNvCxnSpPr>
             <p:nvPr/>
           </p:nvCxnSpPr>
@@ -8304,10 +8308,10 @@
         </p:cxnSp>
         <p:cxnSp>
           <p:nvCxnSpPr>
-            <p:cNvPr id="5" name="直線接點 4"/>
+            <p:cNvPr id="166" name="直線接點 165"/>
             <p:cNvCxnSpPr>
-              <a:stCxn id="2" idx="0"/>
-              <a:endCxn id="2" idx="2"/>
+              <a:stCxn id="164" idx="0"/>
+              <a:endCxn id="164" idx="2"/>
             </p:cNvCxnSpPr>
             <p:nvPr/>
           </p:nvCxnSpPr>
@@ -8342,7 +8346,7 @@
         </p:cxnSp>
         <p:grpSp>
           <p:nvGrpSpPr>
-            <p:cNvPr id="171" name="群組 170"/>
+            <p:cNvPr id="167" name="群組 166"/>
             <p:cNvGrpSpPr/>
             <p:nvPr/>
           </p:nvGrpSpPr>
@@ -8356,7 +8360,7 @@
           </p:grpSpPr>
           <p:sp>
             <p:nvSpPr>
-              <p:cNvPr id="127" name="橢圓 126"/>
+              <p:cNvPr id="219" name="橢圓 218"/>
               <p:cNvSpPr>
                 <a:spLocks noChangeAspect="1"/>
               </p:cNvSpPr>
@@ -8404,7 +8408,7 @@
           </p:sp>
           <p:sp>
             <p:nvSpPr>
-              <p:cNvPr id="128" name="橢圓 127"/>
+              <p:cNvPr id="222" name="橢圓 221"/>
               <p:cNvSpPr>
                 <a:spLocks noChangeAspect="1"/>
               </p:cNvSpPr>
@@ -8452,7 +8456,7 @@
           </p:sp>
           <p:sp>
             <p:nvSpPr>
-              <p:cNvPr id="129" name="橢圓 128"/>
+              <p:cNvPr id="225" name="橢圓 224"/>
               <p:cNvSpPr>
                 <a:spLocks noChangeAspect="1"/>
               </p:cNvSpPr>
@@ -8500,7 +8504,7 @@
           </p:sp>
           <p:sp>
             <p:nvSpPr>
-              <p:cNvPr id="130" name="橢圓 129"/>
+              <p:cNvPr id="228" name="橢圓 227"/>
               <p:cNvSpPr>
                 <a:spLocks noChangeAspect="1"/>
               </p:cNvSpPr>
@@ -8548,7 +8552,7 @@
           </p:sp>
           <p:sp>
             <p:nvSpPr>
-              <p:cNvPr id="131" name="橢圓 130"/>
+              <p:cNvPr id="229" name="橢圓 228"/>
               <p:cNvSpPr>
                 <a:spLocks noChangeAspect="1"/>
               </p:cNvSpPr>
@@ -8596,7 +8600,7 @@
           </p:sp>
           <p:sp>
             <p:nvSpPr>
-              <p:cNvPr id="132" name="橢圓 131"/>
+              <p:cNvPr id="230" name="橢圓 229"/>
               <p:cNvSpPr>
                 <a:spLocks noChangeAspect="1"/>
               </p:cNvSpPr>
@@ -8644,7 +8648,7 @@
           </p:sp>
           <p:sp>
             <p:nvSpPr>
-              <p:cNvPr id="133" name="橢圓 132"/>
+              <p:cNvPr id="232" name="橢圓 231"/>
               <p:cNvSpPr>
                 <a:spLocks noChangeAspect="1"/>
               </p:cNvSpPr>
@@ -8692,7 +8696,7 @@
           </p:sp>
           <p:sp>
             <p:nvSpPr>
-              <p:cNvPr id="134" name="橢圓 133"/>
+              <p:cNvPr id="233" name="橢圓 232"/>
               <p:cNvSpPr>
                 <a:spLocks noChangeAspect="1"/>
               </p:cNvSpPr>
@@ -8740,7 +8744,7 @@
           </p:sp>
           <p:sp>
             <p:nvSpPr>
-              <p:cNvPr id="135" name="橢圓 134"/>
+              <p:cNvPr id="234" name="橢圓 233"/>
               <p:cNvSpPr>
                 <a:spLocks noChangeAspect="1"/>
               </p:cNvSpPr>
@@ -8788,7 +8792,7 @@
           </p:sp>
           <p:sp>
             <p:nvSpPr>
-              <p:cNvPr id="136" name="橢圓 135"/>
+              <p:cNvPr id="235" name="橢圓 234"/>
               <p:cNvSpPr>
                 <a:spLocks noChangeAspect="1"/>
               </p:cNvSpPr>
@@ -8836,7 +8840,7 @@
           </p:sp>
           <p:sp>
             <p:nvSpPr>
-              <p:cNvPr id="137" name="橢圓 136"/>
+              <p:cNvPr id="236" name="橢圓 235"/>
               <p:cNvSpPr>
                 <a:spLocks noChangeAspect="1"/>
               </p:cNvSpPr>
@@ -8884,7 +8888,7 @@
           </p:sp>
           <p:sp>
             <p:nvSpPr>
-              <p:cNvPr id="138" name="橢圓 137"/>
+              <p:cNvPr id="237" name="橢圓 236"/>
               <p:cNvSpPr>
                 <a:spLocks noChangeAspect="1"/>
               </p:cNvSpPr>
@@ -8932,7 +8936,7 @@
           </p:sp>
           <p:sp>
             <p:nvSpPr>
-              <p:cNvPr id="139" name="橢圓 138"/>
+              <p:cNvPr id="238" name="橢圓 237"/>
               <p:cNvSpPr>
                 <a:spLocks noChangeAspect="1"/>
               </p:cNvSpPr>
@@ -8980,7 +8984,7 @@
           </p:sp>
           <p:sp>
             <p:nvSpPr>
-              <p:cNvPr id="140" name="橢圓 139"/>
+              <p:cNvPr id="239" name="橢圓 238"/>
               <p:cNvSpPr>
                 <a:spLocks noChangeAspect="1"/>
               </p:cNvSpPr>
@@ -9028,7 +9032,7 @@
           </p:sp>
           <p:sp>
             <p:nvSpPr>
-              <p:cNvPr id="141" name="橢圓 140"/>
+              <p:cNvPr id="240" name="橢圓 239"/>
               <p:cNvSpPr>
                 <a:spLocks noChangeAspect="1"/>
               </p:cNvSpPr>
@@ -9076,7 +9080,7 @@
           </p:sp>
           <p:sp>
             <p:nvSpPr>
-              <p:cNvPr id="142" name="橢圓 141"/>
+              <p:cNvPr id="241" name="橢圓 240"/>
               <p:cNvSpPr>
                 <a:spLocks noChangeAspect="1"/>
               </p:cNvSpPr>
@@ -9124,7 +9128,7 @@
           </p:sp>
           <p:sp>
             <p:nvSpPr>
-              <p:cNvPr id="143" name="橢圓 142"/>
+              <p:cNvPr id="242" name="橢圓 241"/>
               <p:cNvSpPr>
                 <a:spLocks noChangeAspect="1"/>
               </p:cNvSpPr>
@@ -9172,7 +9176,7 @@
           </p:sp>
           <p:sp>
             <p:nvSpPr>
-              <p:cNvPr id="144" name="橢圓 143"/>
+              <p:cNvPr id="243" name="橢圓 242"/>
               <p:cNvSpPr>
                 <a:spLocks noChangeAspect="1"/>
               </p:cNvSpPr>
@@ -9220,7 +9224,7 @@
           </p:sp>
           <p:sp>
             <p:nvSpPr>
-              <p:cNvPr id="145" name="橢圓 144"/>
+              <p:cNvPr id="244" name="橢圓 243"/>
               <p:cNvSpPr>
                 <a:spLocks noChangeAspect="1"/>
               </p:cNvSpPr>
@@ -9268,7 +9272,7 @@
           </p:sp>
           <p:sp>
             <p:nvSpPr>
-              <p:cNvPr id="146" name="橢圓 145"/>
+              <p:cNvPr id="245" name="橢圓 244"/>
               <p:cNvSpPr>
                 <a:spLocks noChangeAspect="1"/>
               </p:cNvSpPr>
@@ -9316,7 +9320,7 @@
           </p:sp>
           <p:sp>
             <p:nvSpPr>
-              <p:cNvPr id="147" name="橢圓 146"/>
+              <p:cNvPr id="246" name="橢圓 245"/>
               <p:cNvSpPr>
                 <a:spLocks noChangeAspect="1"/>
               </p:cNvSpPr>
@@ -9364,7 +9368,7 @@
           </p:sp>
           <p:sp>
             <p:nvSpPr>
-              <p:cNvPr id="148" name="橢圓 147"/>
+              <p:cNvPr id="247" name="橢圓 246"/>
               <p:cNvSpPr>
                 <a:spLocks noChangeAspect="1"/>
               </p:cNvSpPr>
@@ -9412,7 +9416,7 @@
           </p:sp>
           <p:sp>
             <p:nvSpPr>
-              <p:cNvPr id="150" name="橢圓 149"/>
+              <p:cNvPr id="248" name="橢圓 247"/>
               <p:cNvSpPr>
                 <a:spLocks noChangeAspect="1"/>
               </p:cNvSpPr>
@@ -9460,7 +9464,7 @@
           </p:sp>
           <p:sp>
             <p:nvSpPr>
-              <p:cNvPr id="151" name="橢圓 150"/>
+              <p:cNvPr id="249" name="橢圓 248"/>
               <p:cNvSpPr>
                 <a:spLocks noChangeAspect="1"/>
               </p:cNvSpPr>
@@ -9508,7 +9512,7 @@
           </p:sp>
           <p:sp>
             <p:nvSpPr>
-              <p:cNvPr id="152" name="橢圓 151"/>
+              <p:cNvPr id="250" name="橢圓 249"/>
               <p:cNvSpPr>
                 <a:spLocks noChangeAspect="1"/>
               </p:cNvSpPr>
@@ -9556,7 +9560,7 @@
           </p:sp>
           <p:sp>
             <p:nvSpPr>
-              <p:cNvPr id="153" name="橢圓 152"/>
+              <p:cNvPr id="251" name="橢圓 250"/>
               <p:cNvSpPr>
                 <a:spLocks noChangeAspect="1"/>
               </p:cNvSpPr>
@@ -9604,7 +9608,7 @@
           </p:sp>
           <p:sp>
             <p:nvSpPr>
-              <p:cNvPr id="154" name="橢圓 153"/>
+              <p:cNvPr id="252" name="橢圓 251"/>
               <p:cNvSpPr>
                 <a:spLocks noChangeAspect="1"/>
               </p:cNvSpPr>
@@ -9652,7 +9656,7 @@
           </p:sp>
           <p:sp>
             <p:nvSpPr>
-              <p:cNvPr id="155" name="橢圓 154"/>
+              <p:cNvPr id="253" name="橢圓 252"/>
               <p:cNvSpPr>
                 <a:spLocks noChangeAspect="1"/>
               </p:cNvSpPr>
@@ -9700,7 +9704,7 @@
           </p:sp>
           <p:sp>
             <p:nvSpPr>
-              <p:cNvPr id="156" name="橢圓 155"/>
+              <p:cNvPr id="254" name="橢圓 253"/>
               <p:cNvSpPr>
                 <a:spLocks noChangeAspect="1"/>
               </p:cNvSpPr>
@@ -9748,7 +9752,7 @@
           </p:sp>
           <p:sp>
             <p:nvSpPr>
-              <p:cNvPr id="157" name="橢圓 156"/>
+              <p:cNvPr id="255" name="橢圓 254"/>
               <p:cNvSpPr>
                 <a:spLocks noChangeAspect="1"/>
               </p:cNvSpPr>
@@ -9796,7 +9800,7 @@
           </p:sp>
           <p:sp>
             <p:nvSpPr>
-              <p:cNvPr id="158" name="橢圓 157"/>
+              <p:cNvPr id="256" name="橢圓 255"/>
               <p:cNvSpPr>
                 <a:spLocks noChangeAspect="1"/>
               </p:cNvSpPr>
@@ -9844,7 +9848,7 @@
           </p:sp>
           <p:sp>
             <p:nvSpPr>
-              <p:cNvPr id="159" name="橢圓 158"/>
+              <p:cNvPr id="257" name="橢圓 256"/>
               <p:cNvSpPr>
                 <a:spLocks noChangeAspect="1"/>
               </p:cNvSpPr>
@@ -9892,7 +9896,7 @@
           </p:sp>
           <p:sp>
             <p:nvSpPr>
-              <p:cNvPr id="160" name="橢圓 159"/>
+              <p:cNvPr id="258" name="橢圓 257"/>
               <p:cNvSpPr>
                 <a:spLocks noChangeAspect="1"/>
               </p:cNvSpPr>
@@ -9940,7 +9944,7 @@
           </p:sp>
           <p:sp>
             <p:nvSpPr>
-              <p:cNvPr id="161" name="橢圓 160"/>
+              <p:cNvPr id="259" name="橢圓 258"/>
               <p:cNvSpPr>
                 <a:spLocks noChangeAspect="1"/>
               </p:cNvSpPr>
@@ -9988,7 +9992,7 @@
           </p:sp>
           <p:sp>
             <p:nvSpPr>
-              <p:cNvPr id="162" name="橢圓 161"/>
+              <p:cNvPr id="260" name="橢圓 259"/>
               <p:cNvSpPr>
                 <a:spLocks noChangeAspect="1"/>
               </p:cNvSpPr>
@@ -10036,7 +10040,7 @@
           </p:sp>
           <p:sp>
             <p:nvSpPr>
-              <p:cNvPr id="168" name="橢圓 167"/>
+              <p:cNvPr id="261" name="橢圓 260"/>
               <p:cNvSpPr>
                 <a:spLocks noChangeAspect="1"/>
               </p:cNvSpPr>
@@ -10084,7 +10088,7 @@
           </p:sp>
           <p:sp>
             <p:nvSpPr>
-              <p:cNvPr id="169" name="橢圓 168"/>
+              <p:cNvPr id="262" name="橢圓 261"/>
               <p:cNvSpPr>
                 <a:spLocks noChangeAspect="1"/>
               </p:cNvSpPr>
@@ -10133,13 +10137,13 @@
         </p:grpSp>
         <p:cxnSp>
           <p:nvCxnSpPr>
-            <p:cNvPr id="213" name="直線接點 212"/>
+            <p:cNvPr id="170" name="直線接點 169"/>
             <p:cNvCxnSpPr/>
             <p:nvPr/>
           </p:nvCxnSpPr>
           <p:spPr>
             <a:xfrm>
-              <a:off x="7411394" y="528721"/>
+              <a:off x="7411393" y="528721"/>
               <a:ext cx="0" cy="1388111"/>
             </a:xfrm>
             <a:prstGeom prst="line">
@@ -10168,13 +10172,13 @@
         </p:cxnSp>
         <p:cxnSp>
           <p:nvCxnSpPr>
-            <p:cNvPr id="215" name="直線接點 214"/>
+            <p:cNvPr id="210" name="直線接點 209"/>
             <p:cNvCxnSpPr/>
             <p:nvPr/>
           </p:nvCxnSpPr>
           <p:spPr>
             <a:xfrm rot="5400000">
-              <a:off x="6833189" y="-50639"/>
+              <a:off x="6842717" y="-55403"/>
               <a:ext cx="0" cy="1388111"/>
             </a:xfrm>
             <a:prstGeom prst="line">
@@ -10203,13 +10207,13 @@
         </p:cxnSp>
         <p:cxnSp>
           <p:nvCxnSpPr>
-            <p:cNvPr id="220" name="直線接點 219"/>
+            <p:cNvPr id="211" name="直線接點 210"/>
             <p:cNvCxnSpPr/>
             <p:nvPr/>
           </p:nvCxnSpPr>
           <p:spPr>
             <a:xfrm rot="10800000">
-              <a:off x="2874890" y="3481049"/>
+              <a:off x="2871714" y="3482637"/>
               <a:ext cx="0" cy="1388111"/>
             </a:xfrm>
             <a:prstGeom prst="line">
@@ -10238,13 +10242,13 @@
         </p:cxnSp>
         <p:cxnSp>
           <p:nvCxnSpPr>
-            <p:cNvPr id="221" name="直線接點 220"/>
+            <p:cNvPr id="212" name="直線接點 211"/>
             <p:cNvCxnSpPr/>
             <p:nvPr/>
           </p:nvCxnSpPr>
           <p:spPr>
             <a:xfrm rot="16200000">
-              <a:off x="3444180" y="4050339"/>
+              <a:off x="3434654" y="4050339"/>
               <a:ext cx="0" cy="1388111"/>
             </a:xfrm>
             <a:prstGeom prst="line">
@@ -10273,13 +10277,13 @@
         </p:cxnSp>
         <p:cxnSp>
           <p:nvCxnSpPr>
-            <p:cNvPr id="223" name="直線接點 222"/>
+            <p:cNvPr id="214" name="直線接點 213"/>
             <p:cNvCxnSpPr/>
             <p:nvPr/>
           </p:nvCxnSpPr>
           <p:spPr>
             <a:xfrm rot="16200000">
-              <a:off x="3448103" y="-49485"/>
+              <a:off x="3438575" y="-54692"/>
               <a:ext cx="0" cy="1388111"/>
             </a:xfrm>
             <a:prstGeom prst="line">
@@ -10308,13 +10312,13 @@
         </p:cxnSp>
         <p:cxnSp>
           <p:nvCxnSpPr>
-            <p:cNvPr id="224" name="直線接點 223"/>
+            <p:cNvPr id="216" name="直線接點 215"/>
             <p:cNvCxnSpPr/>
             <p:nvPr/>
           </p:nvCxnSpPr>
           <p:spPr>
             <a:xfrm>
-              <a:off x="2879523" y="515172"/>
+              <a:off x="2871583" y="511996"/>
               <a:ext cx="0" cy="1388111"/>
             </a:xfrm>
             <a:prstGeom prst="line">
@@ -10343,7 +10347,7 @@
         </p:cxnSp>
         <p:cxnSp>
           <p:nvCxnSpPr>
-            <p:cNvPr id="226" name="直線接點 225"/>
+            <p:cNvPr id="217" name="直線接點 216"/>
             <p:cNvCxnSpPr/>
             <p:nvPr/>
           </p:nvCxnSpPr>
@@ -10378,7 +10382,7 @@
         </p:cxnSp>
         <p:cxnSp>
           <p:nvCxnSpPr>
-            <p:cNvPr id="227" name="直線接點 226"/>
+            <p:cNvPr id="218" name="直線接點 217"/>
             <p:cNvCxnSpPr/>
             <p:nvPr/>
           </p:nvCxnSpPr>
@@ -10416,6 +10420,121 @@
     <p:extLst>
       <p:ext uri="{BB962C8B-B14F-4D97-AF65-F5344CB8AC3E}">
         <p14:creationId xmlns:p14="http://schemas.microsoft.com/office/powerpoint/2010/main" val="2654609637"/>
+      </p:ext>
+    </p:extLst>
+  </p:cSld>
+  <p:clrMapOvr>
+    <a:masterClrMapping/>
+  </p:clrMapOvr>
+</p:sld>
+</file>
+
+<file path=ppt/slides/slide4.xml><?xml version="1.0" encoding="utf-8"?>
+<p:sld xmlns:a="http://schemas.openxmlformats.org/drawingml/2006/main" xmlns:r="http://schemas.openxmlformats.org/officeDocument/2006/relationships" xmlns:p="http://schemas.openxmlformats.org/presentationml/2006/main">
+  <p:cSld>
+    <p:spTree>
+      <p:nvGrpSpPr>
+        <p:cNvPr id="1" name=""/>
+        <p:cNvGrpSpPr/>
+        <p:nvPr/>
+      </p:nvGrpSpPr>
+      <p:grpSpPr>
+        <a:xfrm>
+          <a:off x="0" y="0"/>
+          <a:ext cx="0" cy="0"/>
+          <a:chOff x="0" y="0"/>
+          <a:chExt cx="0" cy="0"/>
+        </a:xfrm>
+      </p:grpSpPr>
+      <p:grpSp>
+        <p:nvGrpSpPr>
+          <p:cNvPr id="205" name="群組 204"/>
+          <p:cNvGrpSpPr/>
+          <p:nvPr/>
+        </p:nvGrpSpPr>
+        <p:grpSpPr>
+          <a:xfrm>
+            <a:off x="599917" y="174728"/>
+            <a:ext cx="9075514" cy="6580433"/>
+            <a:chOff x="599917" y="174728"/>
+            <a:chExt cx="9075514" cy="6580433"/>
+          </a:xfrm>
+        </p:grpSpPr>
+        <p:sp>
+          <p:nvSpPr>
+            <p:cNvPr id="152" name="矩形 151"/>
+            <p:cNvSpPr/>
+            <p:nvPr/>
+          </p:nvSpPr>
+          <p:spPr>
+            <a:xfrm>
+              <a:off x="599917" y="174728"/>
+              <a:ext cx="9075514" cy="6580433"/>
+            </a:xfrm>
+            <a:prstGeom prst="rect">
+              <a:avLst/>
+            </a:prstGeom>
+            <a:solidFill>
+              <a:schemeClr val="bg1"/>
+            </a:solidFill>
+            <a:ln>
+              <a:noFill/>
+            </a:ln>
+          </p:spPr>
+          <p:style>
+            <a:lnRef idx="2">
+              <a:schemeClr val="accent1">
+                <a:shade val="50000"/>
+              </a:schemeClr>
+            </a:lnRef>
+            <a:fillRef idx="1">
+              <a:schemeClr val="accent1"/>
+            </a:fillRef>
+            <a:effectRef idx="0">
+              <a:schemeClr val="accent1"/>
+            </a:effectRef>
+            <a:fontRef idx="minor">
+              <a:schemeClr val="lt1"/>
+            </a:fontRef>
+          </p:style>
+          <p:txBody>
+            <a:bodyPr rtlCol="0" anchor="ctr"/>
+            <a:lstStyle/>
+            <a:p>
+              <a:pPr algn="ctr"/>
+              <a:endParaRPr lang="zh-TW" altLang="en-US" dirty="0"/>
+            </a:p>
+          </p:txBody>
+        </p:sp>
+        <p:pic>
+          <p:nvPicPr>
+            <p:cNvPr id="203" name="圖片 202"/>
+            <p:cNvPicPr>
+              <a:picLocks noChangeAspect="1"/>
+            </p:cNvPicPr>
+            <p:nvPr/>
+          </p:nvPicPr>
+          <p:blipFill>
+            <a:blip r:embed="rId2"/>
+            <a:stretch>
+              <a:fillRect/>
+            </a:stretch>
+          </p:blipFill>
+          <p:spPr>
+            <a:xfrm>
+              <a:off x="3587729" y="2054651"/>
+              <a:ext cx="3099890" cy="2820586"/>
+            </a:xfrm>
+            <a:prstGeom prst="rect">
+              <a:avLst/>
+            </a:prstGeom>
+          </p:spPr>
+        </p:pic>
+      </p:grpSp>
+    </p:spTree>
+    <p:extLst>
+      <p:ext uri="{BB962C8B-B14F-4D97-AF65-F5344CB8AC3E}">
+        <p14:creationId xmlns:p14="http://schemas.microsoft.com/office/powerpoint/2010/main" val="4269824373"/>
       </p:ext>
     </p:extLst>
   </p:cSld>
